--- a/象契混分思想5.0.pptx
+++ b/象契混分思想5.0.pptx
@@ -3767,51 +3767,59 @@
           <a:p>
             <a:r>
               <a:rPr lang="en-US" altLang="zh-CN" dirty="0" smtClean="0"/>
-              <a:t>1</a:t>
-            </a:r>
-            <a:r>
-              <a:rPr lang="zh-CN" altLang="en-US" dirty="0" smtClean="0"/>
-              <a:t>：高维讲解。</a:t>
+              <a:t>A</a:t>
+            </a:r>
+            <a:r>
+              <a:rPr lang="zh-CN" altLang="en-US" dirty="0" smtClean="0"/>
+              <a:t>：</a:t>
+            </a:r>
+            <a:r>
+              <a:rPr lang="zh-CN" altLang="en-US" smtClean="0"/>
+              <a:t>高维降解</a:t>
+            </a:r>
+            <a:r>
+              <a:rPr lang="zh-CN" altLang="en-US" dirty="0" smtClean="0"/>
+              <a:t>。</a:t>
             </a:r>
             <a:endParaRPr lang="en-US" altLang="zh-CN" dirty="0" smtClean="0"/>
           </a:p>
           <a:p>
             <a:r>
+              <a:rPr lang="en-US" altLang="zh-CN" dirty="0"/>
+              <a:t>B</a:t>
+            </a:r>
+            <a:r>
+              <a:rPr lang="zh-CN" altLang="en-US" dirty="0" smtClean="0"/>
+              <a:t>：迪摩根条件量化简。</a:t>
+            </a:r>
+            <a:endParaRPr lang="en-US" altLang="zh-CN" dirty="0" smtClean="0"/>
+          </a:p>
+          <a:p>
+            <a:r>
+              <a:rPr lang="en-US" altLang="zh-CN" dirty="0"/>
+              <a:t>C</a:t>
+            </a:r>
+            <a:r>
+              <a:rPr lang="zh-CN" altLang="en-US" dirty="0" smtClean="0"/>
+              <a:t>：增加当前递归运算饱和减少深度。</a:t>
+            </a:r>
+            <a:endParaRPr lang="en-US" altLang="zh-CN" dirty="0" smtClean="0"/>
+          </a:p>
+          <a:p>
+            <a:r>
               <a:rPr lang="en-US" altLang="zh-CN" dirty="0" smtClean="0"/>
-              <a:t>2</a:t>
-            </a:r>
-            <a:r>
-              <a:rPr lang="zh-CN" altLang="en-US" dirty="0" smtClean="0"/>
-              <a:t>：迪摩根条件量化简。</a:t>
+              <a:t>D</a:t>
+            </a:r>
+            <a:r>
+              <a:rPr lang="zh-CN" altLang="en-US" dirty="0" smtClean="0"/>
+              <a:t>：减少同效函数的多余算子。</a:t>
             </a:r>
             <a:endParaRPr lang="en-US" altLang="zh-CN" dirty="0" smtClean="0"/>
           </a:p>
           <a:p>
             <a:r>
-              <a:rPr lang="en-US" altLang="zh-CN" dirty="0" smtClean="0"/>
-              <a:t>3</a:t>
-            </a:r>
-            <a:r>
-              <a:rPr lang="zh-CN" altLang="en-US" dirty="0" smtClean="0"/>
-              <a:t>：增加当前递归运算饱和减少深度。</a:t>
-            </a:r>
-            <a:endParaRPr lang="en-US" altLang="zh-CN" dirty="0" smtClean="0"/>
-          </a:p>
-          <a:p>
-            <a:r>
-              <a:rPr lang="en-US" altLang="zh-CN" dirty="0" smtClean="0"/>
-              <a:t>4</a:t>
-            </a:r>
-            <a:r>
-              <a:rPr lang="zh-CN" altLang="en-US" dirty="0" smtClean="0"/>
-              <a:t>：减少同效函数的多余算子。</a:t>
-            </a:r>
-            <a:endParaRPr lang="en-US" altLang="zh-CN" dirty="0" smtClean="0"/>
-          </a:p>
-          <a:p>
-            <a:r>
-              <a:rPr lang="en-US" altLang="zh-CN" dirty="0" smtClean="0"/>
-              <a:t>5</a:t>
+              <a:rPr lang="en-US" altLang="zh-CN" dirty="0"/>
+              <a:t>E</a:t>
             </a:r>
             <a:r>
               <a:rPr lang="zh-CN" altLang="en-US" dirty="0" smtClean="0"/>
